--- a/Presentations/Digital Synesthesia Proposal.pptx
+++ b/Presentations/Digital Synesthesia Proposal.pptx
@@ -5709,6 +5709,11 @@
               <a:rPr lang="es-US" smtClean="0"/>
               <a:t>.</a:t>
             </a:r>
+          </a:p>
+          <a:p>
+            <a:pPr marL="0" indent="0">
+              <a:buNone/>
+            </a:pPr>
             <a:endParaRPr lang="en-US" dirty="0"/>
           </a:p>
         </p:txBody>

--- a/Presentations/Digital Synesthesia Proposal.pptx
+++ b/Presentations/Digital Synesthesia Proposal.pptx
@@ -12,21 +12,21 @@
     <p:sldId id="260" r:id="rId6"/>
     <p:sldId id="261" r:id="rId7"/>
     <p:sldId id="262" r:id="rId8"/>
-    <p:sldId id="263" r:id="rId9"/>
-    <p:sldId id="264" r:id="rId10"/>
-    <p:sldId id="265" r:id="rId11"/>
-    <p:sldId id="266" r:id="rId12"/>
-    <p:sldId id="269" r:id="rId13"/>
-    <p:sldId id="267" r:id="rId14"/>
-    <p:sldId id="268" r:id="rId15"/>
-    <p:sldId id="270" r:id="rId16"/>
-    <p:sldId id="271" r:id="rId17"/>
+    <p:sldId id="264" r:id="rId9"/>
+    <p:sldId id="265" r:id="rId10"/>
+    <p:sldId id="266" r:id="rId11"/>
+    <p:sldId id="269" r:id="rId12"/>
+    <p:sldId id="267" r:id="rId13"/>
+    <p:sldId id="268" r:id="rId14"/>
+    <p:sldId id="270" r:id="rId15"/>
+    <p:sldId id="271" r:id="rId16"/>
+    <p:sldId id="290" r:id="rId17"/>
     <p:sldId id="272" r:id="rId18"/>
     <p:sldId id="273" r:id="rId19"/>
     <p:sldId id="274" r:id="rId20"/>
     <p:sldId id="275" r:id="rId21"/>
-    <p:sldId id="276" r:id="rId22"/>
-    <p:sldId id="277" r:id="rId23"/>
+    <p:sldId id="277" r:id="rId22"/>
+    <p:sldId id="276" r:id="rId23"/>
     <p:sldId id="278" r:id="rId24"/>
     <p:sldId id="279" r:id="rId25"/>
     <p:sldId id="280" r:id="rId26"/>
@@ -3266,8 +3266,12 @@
           <a:lstStyle/>
           <a:p>
             <a:r>
-              <a:rPr lang="es-US" dirty="0" err="1" smtClean="0"/>
-              <a:t>vibrotactile</a:t>
+              <a:rPr lang="es-US" dirty="0" smtClean="0"/>
+              <a:t>Mobile </a:t>
+            </a:r>
+            <a:r>
+              <a:rPr lang="es-US" dirty="0" err="1" smtClean="0"/>
+              <a:t>communications</a:t>
             </a:r>
             <a:endParaRPr lang="en-US" dirty="0"/>
           </a:p>
@@ -3357,12 +3361,16 @@
           <a:lstStyle/>
           <a:p>
             <a:r>
-              <a:rPr lang="es-US" dirty="0" smtClean="0"/>
-              <a:t>Mobile </a:t>
-            </a:r>
-            <a:r>
-              <a:rPr lang="es-US" dirty="0" err="1" smtClean="0"/>
-              <a:t>communications</a:t>
+              <a:rPr lang="es-US" dirty="0" err="1" smtClean="0"/>
+              <a:t>Situational</a:t>
+            </a:r>
+            <a:r>
+              <a:rPr lang="es-US" dirty="0" smtClean="0"/>
+              <a:t> </a:t>
+            </a:r>
+            <a:r>
+              <a:rPr lang="es-US" dirty="0" err="1" smtClean="0"/>
+              <a:t>awareness</a:t>
             </a:r>
             <a:endParaRPr lang="en-US" dirty="0"/>
           </a:p>
@@ -3371,7 +3379,7 @@
     </p:spTree>
     <p:extLst>
       <p:ext uri="{BB962C8B-B14F-4D97-AF65-F5344CB8AC3E}">
-        <p14:creationId xmlns:p14="http://schemas.microsoft.com/office/powerpoint/2010/main" val="1401670"/>
+        <p14:creationId xmlns:p14="http://schemas.microsoft.com/office/powerpoint/2010/main" val="2193153336"/>
       </p:ext>
     </p:extLst>
   </p:cSld>
@@ -3426,11 +3434,11 @@
             </a:r>
             <a:r>
               <a:rPr lang="es-US" dirty="0" smtClean="0"/>
-              <a:t> - </a:t>
-            </a:r>
-            <a:r>
-              <a:rPr lang="es-US" dirty="0" err="1" smtClean="0"/>
-              <a:t>INterface</a:t>
+              <a:t> – </a:t>
+            </a:r>
+            <a:r>
+              <a:rPr lang="es-US" dirty="0" err="1" smtClean="0"/>
+              <a:t>senses</a:t>
             </a:r>
             <a:endParaRPr lang="en-US" dirty="0"/>
           </a:p>
@@ -3453,7 +3461,7 @@
           <a:p>
             <a:r>
               <a:rPr lang="es-US" dirty="0" err="1" smtClean="0"/>
-              <a:t>Situational</a:t>
+              <a:t>Sensory</a:t>
             </a:r>
             <a:r>
               <a:rPr lang="es-US" dirty="0" smtClean="0"/>
@@ -3461,7 +3469,7 @@
             </a:r>
             <a:r>
               <a:rPr lang="es-US" dirty="0" err="1" smtClean="0"/>
-              <a:t>awareness</a:t>
+              <a:t>substitution</a:t>
             </a:r>
             <a:endParaRPr lang="en-US" dirty="0"/>
           </a:p>
@@ -3470,7 +3478,7 @@
     </p:spTree>
     <p:extLst>
       <p:ext uri="{BB962C8B-B14F-4D97-AF65-F5344CB8AC3E}">
-        <p14:creationId xmlns:p14="http://schemas.microsoft.com/office/powerpoint/2010/main" val="2193153336"/>
+        <p14:creationId xmlns:p14="http://schemas.microsoft.com/office/powerpoint/2010/main" val="1401670"/>
       </p:ext>
     </p:extLst>
   </p:cSld>
@@ -3551,16 +3559,12 @@
           <a:lstStyle/>
           <a:p>
             <a:r>
-              <a:rPr lang="es-US" dirty="0" err="1" smtClean="0"/>
-              <a:t>Sensory</a:t>
-            </a:r>
-            <a:r>
-              <a:rPr lang="es-US" dirty="0" smtClean="0"/>
-              <a:t> </a:t>
-            </a:r>
-            <a:r>
-              <a:rPr lang="es-US" dirty="0" err="1" smtClean="0"/>
-              <a:t>substitution</a:t>
+              <a:rPr lang="es-US" dirty="0" smtClean="0"/>
+              <a:t>New </a:t>
+            </a:r>
+            <a:r>
+              <a:rPr lang="es-US" dirty="0" err="1" smtClean="0"/>
+              <a:t>Senses</a:t>
             </a:r>
             <a:endParaRPr lang="en-US" dirty="0"/>
           </a:p>
@@ -3569,7 +3573,7 @@
     </p:spTree>
     <p:extLst>
       <p:ext uri="{BB962C8B-B14F-4D97-AF65-F5344CB8AC3E}">
-        <p14:creationId xmlns:p14="http://schemas.microsoft.com/office/powerpoint/2010/main" val="1401670"/>
+        <p14:creationId xmlns:p14="http://schemas.microsoft.com/office/powerpoint/2010/main" val="2136893768"/>
       </p:ext>
     </p:extLst>
   </p:cSld>
@@ -3622,14 +3626,6 @@
               <a:rPr lang="es-US" dirty="0" err="1" smtClean="0"/>
               <a:t>Background</a:t>
             </a:r>
-            <a:r>
-              <a:rPr lang="es-US" dirty="0" smtClean="0"/>
-              <a:t> – </a:t>
-            </a:r>
-            <a:r>
-              <a:rPr lang="es-US" dirty="0" err="1" smtClean="0"/>
-              <a:t>senses</a:t>
-            </a:r>
             <a:endParaRPr lang="en-US" dirty="0"/>
           </a:p>
         </p:txBody>
@@ -3650,12 +3646,8 @@
           <a:lstStyle/>
           <a:p>
             <a:r>
-              <a:rPr lang="es-US" dirty="0" smtClean="0"/>
-              <a:t>New </a:t>
-            </a:r>
-            <a:r>
-              <a:rPr lang="es-US" dirty="0" err="1" smtClean="0"/>
-              <a:t>Senses</a:t>
+              <a:rPr lang="es-US" dirty="0" err="1" smtClean="0"/>
+              <a:t>Neuroplasticity</a:t>
             </a:r>
             <a:endParaRPr lang="en-US" dirty="0"/>
           </a:p>
@@ -3664,7 +3656,7 @@
     </p:spTree>
     <p:extLst>
       <p:ext uri="{BB962C8B-B14F-4D97-AF65-F5344CB8AC3E}">
-        <p14:creationId xmlns:p14="http://schemas.microsoft.com/office/powerpoint/2010/main" val="2136893768"/>
+        <p14:creationId xmlns:p14="http://schemas.microsoft.com/office/powerpoint/2010/main" val="256961322"/>
       </p:ext>
     </p:extLst>
   </p:cSld>
@@ -3714,8 +3706,12 @@
           <a:lstStyle/>
           <a:p>
             <a:r>
-              <a:rPr lang="es-US" dirty="0" err="1" smtClean="0"/>
-              <a:t>Background</a:t>
+              <a:rPr lang="es-US" dirty="0" smtClean="0"/>
+              <a:t>Digital </a:t>
+            </a:r>
+            <a:r>
+              <a:rPr lang="es-US" dirty="0" err="1" smtClean="0"/>
+              <a:t>Synesthesia</a:t>
             </a:r>
             <a:endParaRPr lang="en-US" dirty="0"/>
           </a:p>
@@ -3738,7 +3734,7 @@
           <a:p>
             <a:r>
               <a:rPr lang="es-US" dirty="0" err="1" smtClean="0"/>
-              <a:t>Neuroplasticity</a:t>
+              <a:t>Uexkull</a:t>
             </a:r>
             <a:endParaRPr lang="en-US" dirty="0"/>
           </a:p>
@@ -3842,7 +3838,7 @@
     </p:spTree>
     <p:extLst>
       <p:ext uri="{BB962C8B-B14F-4D97-AF65-F5344CB8AC3E}">
-        <p14:creationId xmlns:p14="http://schemas.microsoft.com/office/powerpoint/2010/main" val="256961322"/>
+        <p14:creationId xmlns:p14="http://schemas.microsoft.com/office/powerpoint/2010/main" val="3097815603"/>
       </p:ext>
     </p:extLst>
   </p:cSld>
@@ -4419,7 +4415,7 @@
             </a:r>
             <a:r>
               <a:rPr lang="es-US" dirty="0" err="1" smtClean="0"/>
-              <a:t>Substitution</a:t>
+              <a:t>Augmentation</a:t>
             </a:r>
             <a:endParaRPr lang="en-US" dirty="0"/>
           </a:p>
@@ -4518,7 +4514,7 @@
             </a:r>
             <a:r>
               <a:rPr lang="es-US" dirty="0" err="1" smtClean="0"/>
-              <a:t>Augmentation</a:t>
+              <a:t>Substitution</a:t>
             </a:r>
             <a:endParaRPr lang="en-US" dirty="0"/>
           </a:p>
@@ -5706,7 +5702,7 @@
               <a:t>Questions</a:t>
             </a:r>
             <a:r>
-              <a:rPr lang="es-US" smtClean="0"/>
+              <a:rPr lang="es-US" dirty="0" smtClean="0"/>
               <a:t>.</a:t>
             </a:r>
           </a:p>
@@ -6264,7 +6260,7 @@
           <a:p>
             <a:r>
               <a:rPr lang="es-US" dirty="0" err="1" smtClean="0"/>
-              <a:t>Intro</a:t>
+              <a:t>Background</a:t>
             </a:r>
             <a:r>
               <a:rPr lang="es-US" dirty="0" smtClean="0"/>
@@ -6272,7 +6268,7 @@
             </a:r>
             <a:r>
               <a:rPr lang="es-US" dirty="0" err="1" smtClean="0"/>
-              <a:t>why</a:t>
+              <a:t>INterface</a:t>
             </a:r>
             <a:endParaRPr lang="en-US" dirty="0"/>
           </a:p>
@@ -6295,7 +6291,7 @@
           <a:p>
             <a:r>
               <a:rPr lang="es-US" dirty="0" err="1" smtClean="0"/>
-              <a:t>Uexkull</a:t>
+              <a:t>Thermal</a:t>
             </a:r>
             <a:endParaRPr lang="en-US" dirty="0"/>
           </a:p>
@@ -6386,7 +6382,7 @@
           <a:p>
             <a:r>
               <a:rPr lang="es-US" dirty="0" err="1" smtClean="0"/>
-              <a:t>Thermal</a:t>
+              <a:t>vibrotactile</a:t>
             </a:r>
             <a:endParaRPr lang="en-US" dirty="0"/>
           </a:p>
@@ -6395,7 +6391,7 @@
     </p:spTree>
     <p:extLst>
       <p:ext uri="{BB962C8B-B14F-4D97-AF65-F5344CB8AC3E}">
-        <p14:creationId xmlns:p14="http://schemas.microsoft.com/office/powerpoint/2010/main" val="3017870638"/>
+        <p14:creationId xmlns:p14="http://schemas.microsoft.com/office/powerpoint/2010/main" val="1401670"/>
       </p:ext>
     </p:extLst>
   </p:cSld>
